--- a/VideoSessionsMaterials/v3-understanding-spapi.pptx
+++ b/VideoSessionsMaterials/v3-understanding-spapi.pptx
@@ -5176,38 +5176,73 @@
           <a:p>
             <a:pPr eaLnBrk="1" hangingPunct="1"/>
             <a:r>
-              <a:rPr lang="en-US" sz="3000" dirty="0"/>
-              <a:t>Customize, integrate with or add functionality to your players through external scripts. The API:</a:t>
+              <a:rPr lang="en-US" sz="3200" dirty="0" smtClean="0"/>
+              <a:t>Used to customize</a:t>
+            </a:r>
+            <a:r>
+              <a:rPr lang="en-US" sz="3200" dirty="0"/>
+              <a:t>, integrate </a:t>
+            </a:r>
+            <a:r>
+              <a:rPr lang="en-US" sz="3200" dirty="0" smtClean="0"/>
+              <a:t>with, </a:t>
+            </a:r>
+            <a:r>
+              <a:rPr lang="en-US" sz="3200" dirty="0"/>
+              <a:t>or add functionality </a:t>
+            </a:r>
+            <a:r>
+              <a:rPr lang="en-US" sz="3200" dirty="0" smtClean="0"/>
+              <a:t>to, </a:t>
+            </a:r>
+            <a:r>
+              <a:rPr lang="en-US" sz="3200" dirty="0"/>
+              <a:t>your players through external </a:t>
+            </a:r>
+            <a:r>
+              <a:rPr lang="en-US" sz="3200" dirty="0" smtClean="0"/>
+              <a:t>scripts</a:t>
+            </a:r>
+          </a:p>
+          <a:p>
+            <a:pPr eaLnBrk="1" hangingPunct="1"/>
+            <a:r>
+              <a:rPr lang="en-US" sz="3200" dirty="0" smtClean="0"/>
+              <a:t>The </a:t>
+            </a:r>
+            <a:r>
+              <a:rPr lang="en-US" sz="3200" dirty="0"/>
+              <a:t>API:</a:t>
             </a:r>
           </a:p>
           <a:p>
             <a:pPr lvl="1" eaLnBrk="1" hangingPunct="1"/>
             <a:r>
-              <a:rPr lang="en-US" sz="3000" dirty="0"/>
+              <a:rPr lang="en-US" sz="3200" dirty="0"/>
               <a:t>Exposes objects and events in the player</a:t>
             </a:r>
           </a:p>
           <a:p>
             <a:pPr lvl="1" eaLnBrk="1" hangingPunct="1"/>
             <a:r>
-              <a:rPr lang="en-US" sz="3000" dirty="0"/>
+              <a:rPr lang="en-US" sz="3200" dirty="0"/>
               <a:t>Offers methods to control or alter functionality</a:t>
             </a:r>
           </a:p>
           <a:p>
             <a:pPr lvl="1" eaLnBrk="1" hangingPunct="1"/>
             <a:r>
-              <a:rPr lang="en-US" sz="3000" dirty="0"/>
+              <a:rPr lang="en-US" sz="3200" dirty="0"/>
               <a:t>Allows for reporting or acting on player </a:t>
             </a:r>
             <a:r>
-              <a:rPr lang="en-US" sz="3000" dirty="0" smtClean="0"/>
+              <a:rPr lang="en-US" sz="3200" dirty="0" smtClean="0"/>
               <a:t>events</a:t>
             </a:r>
           </a:p>
           <a:p>
             <a:r>
-              <a:rPr lang="en-US" sz="3000" dirty="0" smtClean="0"/>
+              <a:rPr lang="en-US" sz="3200" dirty="0" smtClean="0"/>
               <a:t>Works with all Brightcove Players, both the Flash and HTML5 versions</a:t>
             </a:r>
           </a:p>
@@ -5215,14 +5250,14 @@
             <a:pPr marL="773537" lvl="1" indent="0">
               <a:buNone/>
             </a:pPr>
-            <a:endParaRPr lang="en-US" sz="3000" dirty="0"/>
+            <a:endParaRPr lang="en-US" sz="3200" dirty="0"/>
           </a:p>
           <a:p>
             <a:pPr lvl="1" eaLnBrk="1" hangingPunct="1">
               <a:buFontTx/>
               <a:buNone/>
             </a:pPr>
-            <a:endParaRPr lang="en-US" sz="3000" dirty="0"/>
+            <a:endParaRPr lang="en-US" sz="3200" dirty="0"/>
           </a:p>
         </p:txBody>
       </p:sp>

--- a/VideoSessionsMaterials/v3-understanding-spapi.pptx
+++ b/VideoSessionsMaterials/v3-understanding-spapi.pptx
@@ -226,7 +226,7 @@
             <a:fld id="{DDC063FE-8627-9A42-970F-0BBEEB02B587}" type="datetimeFigureOut">
               <a:rPr lang="en-US" smtClean="0"/>
               <a:pPr/>
-              <a:t>11/26/13</a:t>
+              <a:t>11/27/13</a:t>
             </a:fld>
             <a:endParaRPr lang="en-US" dirty="0"/>
           </a:p>
@@ -514,118 +514,65 @@
       </p:grpSpPr>
       <p:sp>
         <p:nvSpPr>
-          <p:cNvPr id="275457" name="Rectangle 7"/>
-          <p:cNvSpPr txBox="1">
-            <a:spLocks noGrp="1" noChangeArrowheads="1"/>
-          </p:cNvSpPr>
-          <p:nvPr/>
-        </p:nvSpPr>
-        <p:spPr bwMode="auto">
-          <a:xfrm>
-            <a:off x="3886200" y="8686489"/>
-            <a:ext cx="2971800" cy="457512"/>
-          </a:xfrm>
-          <a:prstGeom prst="rect">
-            <a:avLst/>
-          </a:prstGeom>
-          <a:noFill/>
-          <a:ln>
-            <a:miter lim="800000"/>
-            <a:headEnd/>
-            <a:tailEnd/>
-          </a:ln>
-        </p:spPr>
-        <p:txBody>
-          <a:bodyPr anchor="b"/>
-          <a:lstStyle/>
-          <a:p>
-            <a:pPr algn="r" eaLnBrk="0" hangingPunct="0">
-              <a:defRPr/>
-            </a:pPr>
-            <a:fld id="{CF02B62A-41DD-41E4-B590-258F4F9C71F2}" type="slidenum">
-              <a:rPr lang="en-US" sz="1200">
-                <a:ea typeface="ＭＳ Ｐゴシック" pitchFamily="34" charset="-128"/>
-                <a:cs typeface="+mn-cs"/>
-              </a:rPr>
-              <a:pPr algn="r" eaLnBrk="0" hangingPunct="0">
-                <a:defRPr/>
-              </a:pPr>
-              <a:t>2</a:t>
-            </a:fld>
-            <a:endParaRPr lang="en-US" sz="1200" dirty="0">
-              <a:ea typeface="ＭＳ Ｐゴシック" pitchFamily="34" charset="-128"/>
-              <a:cs typeface="+mn-cs"/>
-            </a:endParaRPr>
-          </a:p>
-        </p:txBody>
-      </p:sp>
-      <p:sp>
-        <p:nvSpPr>
-          <p:cNvPr id="76802" name="Rectangle 2"/>
-          <p:cNvSpPr>
-            <a:spLocks noGrp="1" noRot="1" noChangeAspect="1" noChangeArrowheads="1" noTextEdit="1"/>
+          <p:cNvPr id="2" name="Slide Image Placeholder 1"/>
+          <p:cNvSpPr>
+            <a:spLocks noGrp="1" noRot="1" noChangeAspect="1"/>
           </p:cNvSpPr>
           <p:nvPr>
             <p:ph type="sldImg"/>
           </p:nvPr>
         </p:nvSpPr>
-        <p:spPr>
-          <a:ln/>
-        </p:spPr>
-      </p:sp>
-      <p:sp>
-        <p:nvSpPr>
-          <p:cNvPr id="76803" name="Rectangle 3"/>
-          <p:cNvSpPr>
-            <a:spLocks noGrp="1" noChangeArrowheads="1"/>
+        <p:spPr/>
+      </p:sp>
+      <p:sp>
+        <p:nvSpPr>
+          <p:cNvPr id="3" name="Notes Placeholder 2"/>
+          <p:cNvSpPr>
+            <a:spLocks noGrp="1"/>
           </p:cNvSpPr>
           <p:nvPr>
             <p:ph type="body" idx="1"/>
           </p:nvPr>
         </p:nvSpPr>
-        <p:spPr>
-          <a:noFill/>
-          <a:ln/>
-        </p:spPr>
+        <p:spPr/>
         <p:txBody>
           <a:bodyPr/>
           <a:lstStyle/>
           <a:p>
-            <a:pPr eaLnBrk="1" hangingPunct="1"/>
-            <a:r>
-              <a:rPr lang="en-US" dirty="0" smtClean="0">
-                <a:ea typeface="ＭＳ Ｐゴシック"/>
-              </a:rPr>
-              <a:t>Need to get code from the publishing module to start. </a:t>
-            </a:r>
-          </a:p>
-          <a:p>
-            <a:pPr eaLnBrk="1" hangingPunct="1"/>
-            <a:r>
-              <a:rPr lang="en-US" dirty="0" smtClean="0">
-                <a:ea typeface="ＭＳ Ｐゴシック"/>
-              </a:rPr>
-              <a:t>You’ll be writing lots of code that deals with the different events. </a:t>
-            </a:r>
-          </a:p>
-          <a:p>
-            <a:pPr eaLnBrk="1" hangingPunct="1"/>
-            <a:r>
-              <a:rPr lang="en-US" dirty="0" smtClean="0">
-                <a:ea typeface="ＭＳ Ｐゴシック"/>
-              </a:rPr>
-              <a:t>If you need features we don’t provide, </a:t>
-            </a:r>
-          </a:p>
-          <a:p>
-            <a:pPr eaLnBrk="1" hangingPunct="1"/>
-            <a:endParaRPr lang="en-US" dirty="0" smtClean="0">
-              <a:ea typeface="ＭＳ Ｐゴシック"/>
-            </a:endParaRPr>
+            <a:endParaRPr lang="en-US"/>
+          </a:p>
+        </p:txBody>
+      </p:sp>
+      <p:sp>
+        <p:nvSpPr>
+          <p:cNvPr id="4" name="Slide Number Placeholder 3"/>
+          <p:cNvSpPr>
+            <a:spLocks noGrp="1"/>
+          </p:cNvSpPr>
+          <p:nvPr>
+            <p:ph type="sldNum" sz="quarter" idx="10"/>
+          </p:nvPr>
+        </p:nvSpPr>
+        <p:spPr/>
+        <p:txBody>
+          <a:bodyPr/>
+          <a:lstStyle/>
+          <a:p>
+            <a:fld id="{3560C2FB-C494-1A46-A471-884A4E75440F}" type="slidenum">
+              <a:rPr lang="en-US" smtClean="0"/>
+              <a:pPr/>
+              <a:t>1</a:t>
+            </a:fld>
+            <a:endParaRPr lang="en-US" dirty="0"/>
           </a:p>
         </p:txBody>
       </p:sp>
     </p:spTree>
+    <p:extLst>
+      <p:ext uri="{BB962C8B-B14F-4D97-AF65-F5344CB8AC3E}">
+        <p14:creationId xmlns:p14="http://schemas.microsoft.com/office/powerpoint/2010/main" val="864965243"/>
+      </p:ext>
+    </p:extLst>
   </p:cSld>
   <p:clrMapOvr>
     <a:masterClrMapping/>
@@ -652,7 +599,54 @@
       </p:grpSpPr>
       <p:sp>
         <p:nvSpPr>
-          <p:cNvPr id="78849" name="Rectangle 2"/>
+          <p:cNvPr id="275457" name="Rectangle 7"/>
+          <p:cNvSpPr txBox="1">
+            <a:spLocks noGrp="1" noChangeArrowheads="1"/>
+          </p:cNvSpPr>
+          <p:nvPr/>
+        </p:nvSpPr>
+        <p:spPr bwMode="auto">
+          <a:xfrm>
+            <a:off x="3886200" y="8686489"/>
+            <a:ext cx="2971800" cy="457512"/>
+          </a:xfrm>
+          <a:prstGeom prst="rect">
+            <a:avLst/>
+          </a:prstGeom>
+          <a:noFill/>
+          <a:ln>
+            <a:miter lim="800000"/>
+            <a:headEnd/>
+            <a:tailEnd/>
+          </a:ln>
+        </p:spPr>
+        <p:txBody>
+          <a:bodyPr anchor="b"/>
+          <a:lstStyle/>
+          <a:p>
+            <a:pPr algn="r" eaLnBrk="0" hangingPunct="0">
+              <a:defRPr/>
+            </a:pPr>
+            <a:fld id="{CF02B62A-41DD-41E4-B590-258F4F9C71F2}" type="slidenum">
+              <a:rPr lang="en-US" sz="1200">
+                <a:ea typeface="ＭＳ Ｐゴシック" pitchFamily="34" charset="-128"/>
+                <a:cs typeface="+mn-cs"/>
+              </a:rPr>
+              <a:pPr algn="r" eaLnBrk="0" hangingPunct="0">
+                <a:defRPr/>
+              </a:pPr>
+              <a:t>2</a:t>
+            </a:fld>
+            <a:endParaRPr lang="en-US" sz="1200" dirty="0">
+              <a:ea typeface="ＭＳ Ｐゴシック" pitchFamily="34" charset="-128"/>
+              <a:cs typeface="+mn-cs"/>
+            </a:endParaRPr>
+          </a:p>
+        </p:txBody>
+      </p:sp>
+      <p:sp>
+        <p:nvSpPr>
+          <p:cNvPr id="76802" name="Rectangle 2"/>
           <p:cNvSpPr>
             <a:spLocks noGrp="1" noRot="1" noChangeAspect="1" noChangeArrowheads="1" noTextEdit="1"/>
           </p:cNvSpPr>
@@ -666,7 +660,7 @@
       </p:sp>
       <p:sp>
         <p:nvSpPr>
-          <p:cNvPr id="78850" name="Rectangle 3"/>
+          <p:cNvPr id="76803" name="Rectangle 3"/>
           <p:cNvSpPr>
             <a:spLocks noGrp="1" noChangeArrowheads="1"/>
           </p:cNvSpPr>
@@ -682,6 +676,34 @@
           <a:bodyPr/>
           <a:lstStyle/>
           <a:p>
+            <a:pPr eaLnBrk="1" hangingPunct="1"/>
+            <a:r>
+              <a:rPr lang="en-US" dirty="0" smtClean="0">
+                <a:ea typeface="ＭＳ Ｐゴシック"/>
+              </a:rPr>
+              <a:t>Need to get code from the publishing module to start. </a:t>
+            </a:r>
+          </a:p>
+          <a:p>
+            <a:pPr eaLnBrk="1" hangingPunct="1"/>
+            <a:r>
+              <a:rPr lang="en-US" dirty="0" smtClean="0">
+                <a:ea typeface="ＭＳ Ｐゴシック"/>
+              </a:rPr>
+              <a:t>You’ll be writing lots of code that deals with the different events. </a:t>
+            </a:r>
+          </a:p>
+          <a:p>
+            <a:pPr eaLnBrk="1" hangingPunct="1"/>
+            <a:r>
+              <a:rPr lang="en-US" dirty="0" smtClean="0">
+                <a:ea typeface="ＭＳ Ｐゴシック"/>
+              </a:rPr>
+              <a:t>If you need features we don’t provide, </a:t>
+            </a:r>
+          </a:p>
+          <a:p>
+            <a:pPr eaLnBrk="1" hangingPunct="1"/>
             <a:endParaRPr lang="en-US" dirty="0" smtClean="0">
               <a:ea typeface="ＭＳ Ｐゴシック"/>
             </a:endParaRPr>
@@ -689,6 +711,154 @@
         </p:txBody>
       </p:sp>
     </p:spTree>
+  </p:cSld>
+  <p:clrMapOvr>
+    <a:masterClrMapping/>
+  </p:clrMapOvr>
+</p:notes>
+</file>
+
+<file path=ppt/notesSlides/notesSlide3.xml><?xml version="1.0" encoding="utf-8"?>
+<p:notes xmlns:a="http://schemas.openxmlformats.org/drawingml/2006/main" xmlns:r="http://schemas.openxmlformats.org/officeDocument/2006/relationships" xmlns:p="http://schemas.openxmlformats.org/presentationml/2006/main">
+  <p:cSld>
+    <p:spTree>
+      <p:nvGrpSpPr>
+        <p:cNvPr id="1" name=""/>
+        <p:cNvGrpSpPr/>
+        <p:nvPr/>
+      </p:nvGrpSpPr>
+      <p:grpSpPr>
+        <a:xfrm>
+          <a:off x="0" y="0"/>
+          <a:ext cx="0" cy="0"/>
+          <a:chOff x="0" y="0"/>
+          <a:chExt cx="0" cy="0"/>
+        </a:xfrm>
+      </p:grpSpPr>
+      <p:sp>
+        <p:nvSpPr>
+          <p:cNvPr id="78849" name="Rectangle 2"/>
+          <p:cNvSpPr>
+            <a:spLocks noGrp="1" noRot="1" noChangeAspect="1" noChangeArrowheads="1" noTextEdit="1"/>
+          </p:cNvSpPr>
+          <p:nvPr>
+            <p:ph type="sldImg"/>
+          </p:nvPr>
+        </p:nvSpPr>
+        <p:spPr>
+          <a:ln/>
+        </p:spPr>
+      </p:sp>
+      <p:sp>
+        <p:nvSpPr>
+          <p:cNvPr id="78850" name="Rectangle 3"/>
+          <p:cNvSpPr>
+            <a:spLocks noGrp="1" noChangeArrowheads="1"/>
+          </p:cNvSpPr>
+          <p:nvPr>
+            <p:ph type="body" idx="1"/>
+          </p:nvPr>
+        </p:nvSpPr>
+        <p:spPr>
+          <a:noFill/>
+          <a:ln/>
+        </p:spPr>
+        <p:txBody>
+          <a:bodyPr/>
+          <a:lstStyle/>
+          <a:p>
+            <a:endParaRPr lang="en-US" dirty="0" smtClean="0">
+              <a:ea typeface="ＭＳ Ｐゴシック"/>
+            </a:endParaRPr>
+          </a:p>
+        </p:txBody>
+      </p:sp>
+    </p:spTree>
+  </p:cSld>
+  <p:clrMapOvr>
+    <a:masterClrMapping/>
+  </p:clrMapOvr>
+</p:notes>
+</file>
+
+<file path=ppt/notesSlides/notesSlide4.xml><?xml version="1.0" encoding="utf-8"?>
+<p:notes xmlns:a="http://schemas.openxmlformats.org/drawingml/2006/main" xmlns:r="http://schemas.openxmlformats.org/officeDocument/2006/relationships" xmlns:p="http://schemas.openxmlformats.org/presentationml/2006/main">
+  <p:cSld>
+    <p:spTree>
+      <p:nvGrpSpPr>
+        <p:cNvPr id="1" name=""/>
+        <p:cNvGrpSpPr/>
+        <p:nvPr/>
+      </p:nvGrpSpPr>
+      <p:grpSpPr>
+        <a:xfrm>
+          <a:off x="0" y="0"/>
+          <a:ext cx="0" cy="0"/>
+          <a:chOff x="0" y="0"/>
+          <a:chExt cx="0" cy="0"/>
+        </a:xfrm>
+      </p:grpSpPr>
+      <p:sp>
+        <p:nvSpPr>
+          <p:cNvPr id="2" name="Slide Image Placeholder 1"/>
+          <p:cNvSpPr>
+            <a:spLocks noGrp="1" noRot="1" noChangeAspect="1"/>
+          </p:cNvSpPr>
+          <p:nvPr>
+            <p:ph type="sldImg"/>
+          </p:nvPr>
+        </p:nvSpPr>
+        <p:spPr/>
+      </p:sp>
+      <p:sp>
+        <p:nvSpPr>
+          <p:cNvPr id="3" name="Notes Placeholder 2"/>
+          <p:cNvSpPr>
+            <a:spLocks noGrp="1"/>
+          </p:cNvSpPr>
+          <p:nvPr>
+            <p:ph type="body" idx="1"/>
+          </p:nvPr>
+        </p:nvSpPr>
+        <p:spPr/>
+        <p:txBody>
+          <a:bodyPr/>
+          <a:lstStyle/>
+          <a:p>
+            <a:endParaRPr lang="en-US"/>
+          </a:p>
+        </p:txBody>
+      </p:sp>
+      <p:sp>
+        <p:nvSpPr>
+          <p:cNvPr id="4" name="Slide Number Placeholder 3"/>
+          <p:cNvSpPr>
+            <a:spLocks noGrp="1"/>
+          </p:cNvSpPr>
+          <p:nvPr>
+            <p:ph type="sldNum" sz="quarter" idx="10"/>
+          </p:nvPr>
+        </p:nvSpPr>
+        <p:spPr/>
+        <p:txBody>
+          <a:bodyPr/>
+          <a:lstStyle/>
+          <a:p>
+            <a:fld id="{3560C2FB-C494-1A46-A471-884A4E75440F}" type="slidenum">
+              <a:rPr lang="en-US" smtClean="0"/>
+              <a:pPr/>
+              <a:t>4</a:t>
+            </a:fld>
+            <a:endParaRPr lang="en-US" dirty="0"/>
+          </a:p>
+        </p:txBody>
+      </p:sp>
+    </p:spTree>
+    <p:extLst>
+      <p:ext uri="{BB962C8B-B14F-4D97-AF65-F5344CB8AC3E}">
+        <p14:creationId xmlns:p14="http://schemas.microsoft.com/office/powerpoint/2010/main" val="2026697913"/>
+      </p:ext>
+    </p:extLst>
   </p:cSld>
   <p:clrMapOvr>
     <a:masterClrMapping/>
@@ -5243,7 +5413,15 @@
           <a:p>
             <a:r>
               <a:rPr lang="en-US" sz="3200" dirty="0" smtClean="0"/>
-              <a:t>Works with all Brightcove Players, both the Flash and HTML5 versions</a:t>
+              <a:t>Works with all </a:t>
+            </a:r>
+            <a:r>
+              <a:rPr lang="en-US" sz="3200" dirty="0" smtClean="0"/>
+              <a:t>Video Cloud Players</a:t>
+            </a:r>
+            <a:r>
+              <a:rPr lang="en-US" sz="3200" dirty="0" smtClean="0"/>
+              <a:t>, both the Flash and HTML5 versions</a:t>
             </a:r>
           </a:p>
           <a:p>
